--- a/Baocao/TGMT.pptx
+++ b/Baocao/TGMT.pptx
@@ -270,7 +270,7 @@
           <a:p>
             <a:fld id="{3CBC1EEA-2A59-4199-B5D8-C2D0CDABE900}" type="datetimeFigureOut">
               <a:rPr lang="en-US" smtClean="0"/>
-              <a:t>12/30/2020</a:t>
+              <a:t>4/28/2021</a:t>
             </a:fld>
             <a:endParaRPr lang="en-US"/>
           </a:p>
@@ -440,7 +440,7 @@
           <a:p>
             <a:fld id="{3CBC1EEA-2A59-4199-B5D8-C2D0CDABE900}" type="datetimeFigureOut">
               <a:rPr lang="en-US" smtClean="0"/>
-              <a:t>12/30/2020</a:t>
+              <a:t>4/28/2021</a:t>
             </a:fld>
             <a:endParaRPr lang="en-US"/>
           </a:p>
@@ -620,7 +620,7 @@
           <a:p>
             <a:fld id="{3CBC1EEA-2A59-4199-B5D8-C2D0CDABE900}" type="datetimeFigureOut">
               <a:rPr lang="en-US" smtClean="0"/>
-              <a:t>12/30/2020</a:t>
+              <a:t>4/28/2021</a:t>
             </a:fld>
             <a:endParaRPr lang="en-US"/>
           </a:p>
@@ -790,7 +790,7 @@
           <a:p>
             <a:fld id="{3CBC1EEA-2A59-4199-B5D8-C2D0CDABE900}" type="datetimeFigureOut">
               <a:rPr lang="en-US" smtClean="0"/>
-              <a:t>12/30/2020</a:t>
+              <a:t>4/28/2021</a:t>
             </a:fld>
             <a:endParaRPr lang="en-US"/>
           </a:p>
@@ -1036,7 +1036,7 @@
           <a:p>
             <a:fld id="{3CBC1EEA-2A59-4199-B5D8-C2D0CDABE900}" type="datetimeFigureOut">
               <a:rPr lang="en-US" smtClean="0"/>
-              <a:t>12/30/2020</a:t>
+              <a:t>4/28/2021</a:t>
             </a:fld>
             <a:endParaRPr lang="en-US"/>
           </a:p>
@@ -1268,7 +1268,7 @@
           <a:p>
             <a:fld id="{3CBC1EEA-2A59-4199-B5D8-C2D0CDABE900}" type="datetimeFigureOut">
               <a:rPr lang="en-US" smtClean="0"/>
-              <a:t>12/30/2020</a:t>
+              <a:t>4/28/2021</a:t>
             </a:fld>
             <a:endParaRPr lang="en-US"/>
           </a:p>
@@ -1635,7 +1635,7 @@
           <a:p>
             <a:fld id="{3CBC1EEA-2A59-4199-B5D8-C2D0CDABE900}" type="datetimeFigureOut">
               <a:rPr lang="en-US" smtClean="0"/>
-              <a:t>12/30/2020</a:t>
+              <a:t>4/28/2021</a:t>
             </a:fld>
             <a:endParaRPr lang="en-US"/>
           </a:p>
@@ -1753,7 +1753,7 @@
           <a:p>
             <a:fld id="{3CBC1EEA-2A59-4199-B5D8-C2D0CDABE900}" type="datetimeFigureOut">
               <a:rPr lang="en-US" smtClean="0"/>
-              <a:t>12/30/2020</a:t>
+              <a:t>4/28/2021</a:t>
             </a:fld>
             <a:endParaRPr lang="en-US"/>
           </a:p>
@@ -1848,7 +1848,7 @@
           <a:p>
             <a:fld id="{3CBC1EEA-2A59-4199-B5D8-C2D0CDABE900}" type="datetimeFigureOut">
               <a:rPr lang="en-US" smtClean="0"/>
-              <a:t>12/30/2020</a:t>
+              <a:t>4/28/2021</a:t>
             </a:fld>
             <a:endParaRPr lang="en-US"/>
           </a:p>
@@ -2125,7 +2125,7 @@
           <a:p>
             <a:fld id="{3CBC1EEA-2A59-4199-B5D8-C2D0CDABE900}" type="datetimeFigureOut">
               <a:rPr lang="en-US" smtClean="0"/>
-              <a:t>12/30/2020</a:t>
+              <a:t>4/28/2021</a:t>
             </a:fld>
             <a:endParaRPr lang="en-US"/>
           </a:p>
@@ -2378,7 +2378,7 @@
           <a:p>
             <a:fld id="{3CBC1EEA-2A59-4199-B5D8-C2D0CDABE900}" type="datetimeFigureOut">
               <a:rPr lang="en-US" smtClean="0"/>
-              <a:t>12/30/2020</a:t>
+              <a:t>4/28/2021</a:t>
             </a:fld>
             <a:endParaRPr lang="en-US"/>
           </a:p>
@@ -2591,7 +2591,7 @@
           <a:p>
             <a:fld id="{3CBC1EEA-2A59-4199-B5D8-C2D0CDABE900}" type="datetimeFigureOut">
               <a:rPr lang="en-US" smtClean="0"/>
-              <a:t>12/30/2020</a:t>
+              <a:t>4/28/2021</a:t>
             </a:fld>
             <a:endParaRPr lang="en-US"/>
           </a:p>
@@ -4987,8 +4987,8 @@
               <a:t> </a:t>
             </a:r>
             <a:r>
-              <a:rPr lang="en-US" dirty="0" err="1" smtClean="0"/>
-              <a:t>xàm</a:t>
+              <a:rPr lang="en-US" smtClean="0"/>
+              <a:t>xám</a:t>
             </a:r>
             <a:r>
               <a:rPr lang="en-US" dirty="0" smtClean="0"/>
@@ -7760,12 +7760,48 @@
                 <a:tableStyleId>{F5AB1C69-6EDB-4FF4-983F-18BD219EF322}</a:tableStyleId>
               </a:tblPr>
               <a:tblGrid>
-                <a:gridCol w="1354667"/>
-                <a:gridCol w="1354667"/>
-                <a:gridCol w="1354667"/>
-                <a:gridCol w="1354667"/>
-                <a:gridCol w="1354667"/>
-                <a:gridCol w="1354667"/>
+                <a:gridCol w="1354667">
+                  <a:extLst>
+                    <a:ext uri="{9D8B030D-6E8A-4147-A177-3AD203B41FA5}">
+                      <a16:colId xmlns:a16="http://schemas.microsoft.com/office/drawing/2014/main" val="20000"/>
+                    </a:ext>
+                  </a:extLst>
+                </a:gridCol>
+                <a:gridCol w="1354667">
+                  <a:extLst>
+                    <a:ext uri="{9D8B030D-6E8A-4147-A177-3AD203B41FA5}">
+                      <a16:colId xmlns:a16="http://schemas.microsoft.com/office/drawing/2014/main" val="20001"/>
+                    </a:ext>
+                  </a:extLst>
+                </a:gridCol>
+                <a:gridCol w="1354667">
+                  <a:extLst>
+                    <a:ext uri="{9D8B030D-6E8A-4147-A177-3AD203B41FA5}">
+                      <a16:colId xmlns:a16="http://schemas.microsoft.com/office/drawing/2014/main" val="20002"/>
+                    </a:ext>
+                  </a:extLst>
+                </a:gridCol>
+                <a:gridCol w="1354667">
+                  <a:extLst>
+                    <a:ext uri="{9D8B030D-6E8A-4147-A177-3AD203B41FA5}">
+                      <a16:colId xmlns:a16="http://schemas.microsoft.com/office/drawing/2014/main" val="20003"/>
+                    </a:ext>
+                  </a:extLst>
+                </a:gridCol>
+                <a:gridCol w="1354667">
+                  <a:extLst>
+                    <a:ext uri="{9D8B030D-6E8A-4147-A177-3AD203B41FA5}">
+                      <a16:colId xmlns:a16="http://schemas.microsoft.com/office/drawing/2014/main" val="20004"/>
+                    </a:ext>
+                  </a:extLst>
+                </a:gridCol>
+                <a:gridCol w="1354667">
+                  <a:extLst>
+                    <a:ext uri="{9D8B030D-6E8A-4147-A177-3AD203B41FA5}">
+                      <a16:colId xmlns:a16="http://schemas.microsoft.com/office/drawing/2014/main" val="20005"/>
+                    </a:ext>
+                  </a:extLst>
+                </a:gridCol>
               </a:tblGrid>
               <a:tr h="370840">
                 <a:tc>
@@ -8114,6 +8150,11 @@
                   </a:txBody>
                   <a:tcPr anchor="ctr"/>
                 </a:tc>
+                <a:extLst>
+                  <a:ext uri="{0D108BD9-81ED-4DB2-BD59-A6C34878D82A}">
+                    <a16:rowId xmlns:a16="http://schemas.microsoft.com/office/drawing/2014/main" val="10000"/>
+                  </a:ext>
+                </a:extLst>
               </a:tr>
               <a:tr h="370840">
                 <a:tc>
@@ -8206,6 +8247,11 @@
                   </a:txBody>
                   <a:tcPr anchor="ctr"/>
                 </a:tc>
+                <a:extLst>
+                  <a:ext uri="{0D108BD9-81ED-4DB2-BD59-A6C34878D82A}">
+                    <a16:rowId xmlns:a16="http://schemas.microsoft.com/office/drawing/2014/main" val="10001"/>
+                  </a:ext>
+                </a:extLst>
               </a:tr>
               <a:tr h="370840">
                 <a:tc>
@@ -8298,6 +8344,11 @@
                   </a:txBody>
                   <a:tcPr anchor="ctr"/>
                 </a:tc>
+                <a:extLst>
+                  <a:ext uri="{0D108BD9-81ED-4DB2-BD59-A6C34878D82A}">
+                    <a16:rowId xmlns:a16="http://schemas.microsoft.com/office/drawing/2014/main" val="10002"/>
+                  </a:ext>
+                </a:extLst>
               </a:tr>
               <a:tr h="370840">
                 <a:tc>
@@ -8390,6 +8441,11 @@
                   </a:txBody>
                   <a:tcPr anchor="ctr"/>
                 </a:tc>
+                <a:extLst>
+                  <a:ext uri="{0D108BD9-81ED-4DB2-BD59-A6C34878D82A}">
+                    <a16:rowId xmlns:a16="http://schemas.microsoft.com/office/drawing/2014/main" val="10003"/>
+                  </a:ext>
+                </a:extLst>
               </a:tr>
             </a:tbl>
           </a:graphicData>
